--- a/Web/CurlyBraces.pptx
+++ b/Web/CurlyBraces.pptx
@@ -7,6 +7,7 @@
   <p:sldIdLst>
     <p:sldId id="256" r:id="rId2"/>
     <p:sldId id="259" r:id="rId3"/>
+    <p:sldId id="260" r:id="rId4"/>
   </p:sldIdLst>
   <p:sldSz cx="12192000" cy="6858000"/>
   <p:notesSz cx="6858000" cy="9144000"/>
@@ -339,7 +340,7 @@
           <a:p>
             <a:fld id="{4BDF68E2-58F2-4D09-BE8B-E3BD06533059}" type="datetimeFigureOut">
               <a:rPr lang="en-US" dirty="0"/>
-              <a:t>7/27/2015</a:t>
+              <a:t>8/4/2015</a:t>
             </a:fld>
             <a:endParaRPr lang="en-US" dirty="0"/>
           </a:p>
@@ -542,7 +543,7 @@
           <a:p>
             <a:fld id="{2E2D6473-DF6D-4702-B328-E0DD40540A4E}" type="datetimeFigureOut">
               <a:rPr lang="en-US" dirty="0"/>
-              <a:t>7/27/2015</a:t>
+              <a:t>8/4/2015</a:t>
             </a:fld>
             <a:endParaRPr lang="en-US" dirty="0"/>
           </a:p>
@@ -793,7 +794,7 @@
           <a:p>
             <a:fld id="{E26F7E3A-B166-407D-9866-32884E7D5B37}" type="datetimeFigureOut">
               <a:rPr lang="en-US" dirty="0"/>
-              <a:t>7/27/2015</a:t>
+              <a:t>8/4/2015</a:t>
             </a:fld>
             <a:endParaRPr lang="en-US" dirty="0"/>
           </a:p>
@@ -962,7 +963,7 @@
           <a:p>
             <a:fld id="{528FC5F6-F338-4AE4-BB23-26385BCFC423}" type="datetimeFigureOut">
               <a:rPr lang="en-US" dirty="0"/>
-              <a:t>7/27/2015</a:t>
+              <a:t>8/4/2015</a:t>
             </a:fld>
             <a:endParaRPr lang="en-US" dirty="0"/>
           </a:p>
@@ -1300,7 +1301,7 @@
           <a:p>
             <a:fld id="{20EBB0C4-6273-4C6E-B9BD-2EDC30F1CD52}" type="datetimeFigureOut">
               <a:rPr lang="en-US" dirty="0"/>
-              <a:t>7/27/2015</a:t>
+              <a:t>8/4/2015</a:t>
             </a:fld>
             <a:endParaRPr lang="en-US" dirty="0"/>
           </a:p>
@@ -1570,7 +1571,7 @@
           <a:p>
             <a:fld id="{19AB4D41-86C1-4908-B66A-0B50CEB3BF29}" type="datetimeFigureOut">
               <a:rPr lang="en-US" dirty="0"/>
-              <a:t>7/27/2015</a:t>
+              <a:t>8/4/2015</a:t>
             </a:fld>
             <a:endParaRPr lang="en-US" dirty="0"/>
           </a:p>
@@ -1944,7 +1945,7 @@
           <a:p>
             <a:fld id="{E6426E2C-56C1-4E0D-A793-0088A7FDD37E}" type="datetimeFigureOut">
               <a:rPr lang="en-US" dirty="0"/>
-              <a:t>7/27/2015</a:t>
+              <a:t>8/4/2015</a:t>
             </a:fld>
             <a:endParaRPr lang="en-US" dirty="0"/>
           </a:p>
@@ -2057,7 +2058,7 @@
           <a:p>
             <a:fld id="{C8C39B41-D8B5-4052-B551-9B5525EAA8B6}" type="datetimeFigureOut">
               <a:rPr lang="en-US" dirty="0"/>
-              <a:t>7/27/2015</a:t>
+              <a:t>8/4/2015</a:t>
             </a:fld>
             <a:endParaRPr lang="en-US" dirty="0"/>
           </a:p>
@@ -2223,7 +2224,7 @@
           <a:p>
             <a:fld id="{4D94136C-8742-45B2-AF27-D93DF72833A9}" type="datetimeFigureOut">
               <a:rPr lang="en-US" dirty="0"/>
-              <a:t>7/27/2015</a:t>
+              <a:t>8/4/2015</a:t>
             </a:fld>
             <a:endParaRPr lang="en-US" dirty="0"/>
           </a:p>
@@ -2573,7 +2574,7 @@
           <a:p>
             <a:fld id="{32ABBEA6-7C60-4B02-AE87-00D78D8422AF}" type="datetimeFigureOut">
               <a:rPr lang="en-US" dirty="0"/>
-              <a:t>7/27/2015</a:t>
+              <a:t>8/4/2015</a:t>
             </a:fld>
             <a:endParaRPr lang="en-US" dirty="0"/>
           </a:p>
@@ -2951,7 +2952,7 @@
           <a:p>
             <a:fld id="{C9CAD897-D46E-4AD2-BD9B-49DD3E640873}" type="datetimeFigureOut">
               <a:rPr lang="en-US" dirty="0"/>
-              <a:t>7/27/2015</a:t>
+              <a:t>8/4/2015</a:t>
             </a:fld>
             <a:endParaRPr lang="en-US" dirty="0"/>
           </a:p>
@@ -3233,7 +3234,7 @@
           <a:p>
             <a:fld id="{98624D31-43A5-475A-80CF-332C9F6DCF35}" type="datetimeFigureOut">
               <a:rPr lang="en-US" dirty="0"/>
-              <a:t>7/27/2015</a:t>
+              <a:t>8/4/2015</a:t>
             </a:fld>
             <a:endParaRPr lang="en-US" dirty="0"/>
           </a:p>
@@ -3864,6 +3865,109 @@
 </p:sld>
 </file>
 
+<file path=ppt/slides/slide3.xml><?xml version="1.0" encoding="utf-8"?>
+<p:sld xmlns:a="http://schemas.openxmlformats.org/drawingml/2006/main" xmlns:r="http://schemas.openxmlformats.org/officeDocument/2006/relationships" xmlns:p="http://schemas.openxmlformats.org/presentationml/2006/main">
+  <p:cSld>
+    <p:spTree>
+      <p:nvGrpSpPr>
+        <p:cNvPr id="1" name=""/>
+        <p:cNvGrpSpPr/>
+        <p:nvPr/>
+      </p:nvGrpSpPr>
+      <p:grpSpPr>
+        <a:xfrm>
+          <a:off x="0" y="0"/>
+          <a:ext cx="0" cy="0"/>
+          <a:chOff x="0" y="0"/>
+          <a:chExt cx="0" cy="0"/>
+        </a:xfrm>
+      </p:grpSpPr>
+      <p:pic>
+        <p:nvPicPr>
+          <p:cNvPr id="2" name="Picture 1"/>
+          <p:cNvPicPr>
+            <a:picLocks noChangeAspect="1"/>
+          </p:cNvPicPr>
+          <p:nvPr/>
+        </p:nvPicPr>
+        <p:blipFill>
+          <a:blip r:embed="rId2">
+            <a:extLst>
+              <a:ext uri="{28A0092B-C50C-407E-A947-70E740481C1C}">
+                <a14:useLocalDpi xmlns:a14="http://schemas.microsoft.com/office/drawing/2010/main" val="0"/>
+              </a:ext>
+            </a:extLst>
+          </a:blip>
+          <a:stretch>
+            <a:fillRect/>
+          </a:stretch>
+        </p:blipFill>
+        <p:spPr>
+          <a:xfrm>
+            <a:off x="1518646" y="0"/>
+            <a:ext cx="9154707" cy="6858000"/>
+          </a:xfrm>
+          <a:prstGeom prst="rect">
+            <a:avLst/>
+          </a:prstGeom>
+        </p:spPr>
+      </p:pic>
+      <p:sp>
+        <p:nvSpPr>
+          <p:cNvPr id="3" name="TextBox 2"/>
+          <p:cNvSpPr txBox="1"/>
+          <p:nvPr/>
+        </p:nvSpPr>
+        <p:spPr>
+          <a:xfrm>
+            <a:off x="1699708" y="6067313"/>
+            <a:ext cx="8406084" cy="584775"/>
+          </a:xfrm>
+          <a:prstGeom prst="rect">
+            <a:avLst/>
+          </a:prstGeom>
+        </p:spPr>
+        <p:style>
+          <a:lnRef idx="0">
+            <a:schemeClr val="accent2"/>
+          </a:lnRef>
+          <a:fillRef idx="3">
+            <a:schemeClr val="accent2"/>
+          </a:fillRef>
+          <a:effectRef idx="3">
+            <a:schemeClr val="accent2"/>
+          </a:effectRef>
+          <a:fontRef idx="minor">
+            <a:schemeClr val="lt1"/>
+          </a:fontRef>
+        </p:style>
+        <p:txBody>
+          <a:bodyPr wrap="none" rtlCol="0">
+            <a:spAutoFit/>
+          </a:bodyPr>
+          <a:lstStyle/>
+          <a:p>
+            <a:r>
+              <a:rPr lang="en-US" sz="3200" dirty="0" smtClean="0"/>
+              <a:t>YES!  You *CAN* use &lt;table&gt; elements for layout!</a:t>
+            </a:r>
+            <a:endParaRPr lang="en-US" sz="3200" dirty="0"/>
+          </a:p>
+        </p:txBody>
+      </p:sp>
+    </p:spTree>
+    <p:extLst>
+      <p:ext uri="{BB962C8B-B14F-4D97-AF65-F5344CB8AC3E}">
+        <p14:creationId xmlns:p14="http://schemas.microsoft.com/office/powerpoint/2010/main" val="2269037211"/>
+      </p:ext>
+    </p:extLst>
+  </p:cSld>
+  <p:clrMapOvr>
+    <a:masterClrMapping/>
+  </p:clrMapOvr>
+</p:sld>
+</file>
+
 <file path=ppt/theme/theme1.xml><?xml version="1.0" encoding="utf-8"?>
 <a:theme xmlns:a="http://schemas.openxmlformats.org/drawingml/2006/main" name="Retrospect">
   <a:themeElements>
